--- a/Classes/02-Acounts/ArchitectureMaster-02-Accounts.pptx
+++ b/Classes/02-Acounts/ArchitectureMaster-02-Accounts.pptx
@@ -19,7 +19,21 @@
     <p:sldId id="288" r:id="rId13"/>
     <p:sldId id="289" r:id="rId14"/>
     <p:sldId id="290" r:id="rId15"/>
-    <p:sldId id="278" r:id="rId16"/>
+    <p:sldId id="291" r:id="rId16"/>
+    <p:sldId id="292" r:id="rId17"/>
+    <p:sldId id="293" r:id="rId18"/>
+    <p:sldId id="294" r:id="rId19"/>
+    <p:sldId id="295" r:id="rId20"/>
+    <p:sldId id="296" r:id="rId21"/>
+    <p:sldId id="297" r:id="rId22"/>
+    <p:sldId id="298" r:id="rId23"/>
+    <p:sldId id="299" r:id="rId24"/>
+    <p:sldId id="300" r:id="rId25"/>
+    <p:sldId id="302" r:id="rId26"/>
+    <p:sldId id="301" r:id="rId27"/>
+    <p:sldId id="303" r:id="rId28"/>
+    <p:sldId id="304" r:id="rId29"/>
+    <p:sldId id="278" r:id="rId30"/>
   </p:sldIdLst>
   <p:sldSz cx="12192000" cy="6858000"/>
   <p:notesSz cx="6858000" cy="9144000"/>
@@ -4224,11 +4238,46 @@
           <a:p>
             <a:r>
               <a:rPr lang="en-US" dirty="0"/>
-              <a:t>Billing Alerts</a:t>
-            </a:r>
-          </a:p>
-        </p:txBody>
-      </p:sp>
+              <a:t>Billing Configuration</a:t>
+            </a:r>
+          </a:p>
+        </p:txBody>
+      </p:sp>
+      <p:pic>
+        <p:nvPicPr>
+          <p:cNvPr id="3" name="Picture 2">
+            <a:extLst>
+              <a:ext uri="{FF2B5EF4-FFF2-40B4-BE49-F238E27FC236}">
+                <a16:creationId xmlns:a16="http://schemas.microsoft.com/office/drawing/2014/main" id="{1B5F53FC-F5BB-46FD-A0AB-C0F5CB4EA7F4}"/>
+              </a:ext>
+            </a:extLst>
+          </p:cNvPr>
+          <p:cNvPicPr>
+            <a:picLocks noChangeAspect="1"/>
+          </p:cNvPicPr>
+          <p:nvPr/>
+        </p:nvPicPr>
+        <p:blipFill>
+          <a:blip r:embed="rId2"/>
+          <a:stretch>
+            <a:fillRect/>
+          </a:stretch>
+        </p:blipFill>
+        <p:spPr>
+          <a:xfrm>
+            <a:off x="395573" y="1261745"/>
+            <a:ext cx="11400854" cy="4334510"/>
+          </a:xfrm>
+          <a:prstGeom prst="rect">
+            <a:avLst/>
+          </a:prstGeom>
+          <a:ln w="6350">
+            <a:solidFill>
+              <a:schemeClr val="accent1"/>
+            </a:solidFill>
+          </a:ln>
+        </p:spPr>
+      </p:pic>
     </p:spTree>
     <p:extLst>
       <p:ext uri="{BB962C8B-B14F-4D97-AF65-F5344CB8AC3E}">
@@ -4276,7 +4325,7 @@
           <p:cNvPr id="5" name="Title 4">
             <a:extLst>
               <a:ext uri="{FF2B5EF4-FFF2-40B4-BE49-F238E27FC236}">
-                <a16:creationId xmlns:a16="http://schemas.microsoft.com/office/drawing/2014/main" id="{7E037BE1-DB10-FC4D-75C4-345C0518DFA6}"/>
+                <a16:creationId xmlns:a16="http://schemas.microsoft.com/office/drawing/2014/main" id="{545CE4E4-8AAD-7549-D138-2AF8AE3013C0}"/>
               </a:ext>
             </a:extLst>
           </p:cNvPr>
@@ -4287,73 +4336,627 @@
             <p:ph type="title"/>
           </p:nvPr>
         </p:nvSpPr>
-        <p:spPr>
-          <a:xfrm>
-            <a:off x="707571" y="1134338"/>
-            <a:ext cx="10515600" cy="674472"/>
-          </a:xfrm>
-        </p:spPr>
+        <p:spPr/>
         <p:txBody>
           <a:bodyPr>
             <a:normAutofit fontScale="90000"/>
           </a:bodyPr>
           <a:lstStyle/>
           <a:p>
-            <a:pPr algn="ctr"/>
             <a:r>
               <a:rPr lang="en-US" dirty="0"/>
-              <a:t>Questions?</a:t>
+              <a:t>Billing Configuration</a:t>
             </a:r>
           </a:p>
         </p:txBody>
       </p:sp>
       <p:pic>
         <p:nvPicPr>
-          <p:cNvPr id="7" name="Picture 2" descr="D:\Proyectos\Framework\Supports\Images\icono_ayuda_general.gif">
-            <a:extLst>
-              <a:ext uri="{FF2B5EF4-FFF2-40B4-BE49-F238E27FC236}">
-                <a16:creationId xmlns:a16="http://schemas.microsoft.com/office/drawing/2014/main" id="{70A0CCB1-AA68-AC7B-11FF-DBFC0033C335}"/>
+          <p:cNvPr id="4" name="Picture 3">
+            <a:extLst>
+              <a:ext uri="{FF2B5EF4-FFF2-40B4-BE49-F238E27FC236}">
+                <a16:creationId xmlns:a16="http://schemas.microsoft.com/office/drawing/2014/main" id="{C41DCA49-B9E2-4A67-F8AE-E65F6162385C}"/>
               </a:ext>
             </a:extLst>
           </p:cNvPr>
           <p:cNvPicPr>
-            <a:picLocks noChangeAspect="1" noChangeArrowheads="1"/>
+            <a:picLocks noChangeAspect="1"/>
           </p:cNvPicPr>
           <p:nvPr/>
         </p:nvPicPr>
         <p:blipFill>
-          <a:blip r:embed="rId2" cstate="print">
-            <a:clrChange>
-              <a:clrFrom>
-                <a:srgbClr val="FCFEFC"/>
-              </a:clrFrom>
-              <a:clrTo>
-                <a:srgbClr val="FCFEFC">
-                  <a:alpha val="0"/>
-                </a:srgbClr>
-              </a:clrTo>
-            </a:clrChange>
-          </a:blip>
-          <a:srcRect/>
+          <a:blip r:embed="rId2"/>
           <a:stretch>
             <a:fillRect/>
           </a:stretch>
         </p:blipFill>
-        <p:spPr bwMode="auto">
-          <a:xfrm>
-            <a:off x="4475820" y="1808820"/>
-            <a:ext cx="3240360" cy="3240360"/>
+        <p:spPr>
+          <a:xfrm>
+            <a:off x="976226" y="780109"/>
+            <a:ext cx="10239547" cy="5941366"/>
           </a:xfrm>
           <a:prstGeom prst="rect">
             <a:avLst/>
           </a:prstGeom>
-          <a:noFill/>
+          <a:ln>
+            <a:solidFill>
+              <a:schemeClr val="accent1"/>
+            </a:solidFill>
+          </a:ln>
         </p:spPr>
       </p:pic>
     </p:spTree>
     <p:extLst>
       <p:ext uri="{BB962C8B-B14F-4D97-AF65-F5344CB8AC3E}">
-        <p14:creationId xmlns:p14="http://schemas.microsoft.com/office/powerpoint/2010/main" val="1119633903"/>
+        <p14:creationId xmlns:p14="http://schemas.microsoft.com/office/powerpoint/2010/main" val="2272843483"/>
+      </p:ext>
+    </p:extLst>
+  </p:cSld>
+  <p:clrMapOvr>
+    <a:masterClrMapping/>
+  </p:clrMapOvr>
+  <mc:AlternateContent xmlns:mc="http://schemas.openxmlformats.org/markup-compatibility/2006" xmlns:p159="http://schemas.microsoft.com/office/powerpoint/2015/09/main">
+    <mc:Choice Requires="p159">
+      <p:transition xmlns:p14="http://schemas.microsoft.com/office/powerpoint/2010/main" spd="slow" p14:dur="2000">
+        <p159:morph option="byObject"/>
+      </p:transition>
+    </mc:Choice>
+    <mc:Fallback xmlns="">
+      <p:transition spd="slow">
+        <p:fade/>
+      </p:transition>
+    </mc:Fallback>
+  </mc:AlternateContent>
+</p:sld>
+</file>
+
+<file path=ppt/slides/slide16.xml><?xml version="1.0" encoding="utf-8"?>
+<p:sld xmlns:a="http://schemas.openxmlformats.org/drawingml/2006/main" xmlns:r="http://schemas.openxmlformats.org/officeDocument/2006/relationships" xmlns:p="http://schemas.openxmlformats.org/presentationml/2006/main">
+  <p:cSld>
+    <p:spTree>
+      <p:nvGrpSpPr>
+        <p:cNvPr id="1" name=""/>
+        <p:cNvGrpSpPr/>
+        <p:nvPr/>
+      </p:nvGrpSpPr>
+      <p:grpSpPr>
+        <a:xfrm>
+          <a:off x="0" y="0"/>
+          <a:ext cx="0" cy="0"/>
+          <a:chOff x="0" y="0"/>
+          <a:chExt cx="0" cy="0"/>
+        </a:xfrm>
+      </p:grpSpPr>
+      <p:sp>
+        <p:nvSpPr>
+          <p:cNvPr id="5" name="Title 4">
+            <a:extLst>
+              <a:ext uri="{FF2B5EF4-FFF2-40B4-BE49-F238E27FC236}">
+                <a16:creationId xmlns:a16="http://schemas.microsoft.com/office/drawing/2014/main" id="{545CE4E4-8AAD-7549-D138-2AF8AE3013C0}"/>
+              </a:ext>
+            </a:extLst>
+          </p:cNvPr>
+          <p:cNvSpPr>
+            <a:spLocks noGrp="1"/>
+          </p:cNvSpPr>
+          <p:nvPr>
+            <p:ph type="title"/>
+          </p:nvPr>
+        </p:nvSpPr>
+        <p:spPr/>
+        <p:txBody>
+          <a:bodyPr>
+            <a:normAutofit fontScale="90000"/>
+          </a:bodyPr>
+          <a:lstStyle/>
+          <a:p>
+            <a:r>
+              <a:rPr lang="en-US" dirty="0"/>
+              <a:t>Billing Configuration</a:t>
+            </a:r>
+          </a:p>
+        </p:txBody>
+      </p:sp>
+      <p:pic>
+        <p:nvPicPr>
+          <p:cNvPr id="3" name="Picture 2">
+            <a:extLst>
+              <a:ext uri="{FF2B5EF4-FFF2-40B4-BE49-F238E27FC236}">
+                <a16:creationId xmlns:a16="http://schemas.microsoft.com/office/drawing/2014/main" id="{526F7970-1D28-722C-D273-DD985C16970F}"/>
+              </a:ext>
+            </a:extLst>
+          </p:cNvPr>
+          <p:cNvPicPr>
+            <a:picLocks noChangeAspect="1"/>
+          </p:cNvPicPr>
+          <p:nvPr/>
+        </p:nvPicPr>
+        <p:blipFill>
+          <a:blip r:embed="rId2"/>
+          <a:stretch>
+            <a:fillRect/>
+          </a:stretch>
+        </p:blipFill>
+        <p:spPr>
+          <a:xfrm>
+            <a:off x="838200" y="772897"/>
+            <a:ext cx="4251960" cy="2869636"/>
+          </a:xfrm>
+          <a:prstGeom prst="rect">
+            <a:avLst/>
+          </a:prstGeom>
+          <a:ln>
+            <a:solidFill>
+              <a:schemeClr val="accent1"/>
+            </a:solidFill>
+          </a:ln>
+        </p:spPr>
+      </p:pic>
+      <p:pic>
+        <p:nvPicPr>
+          <p:cNvPr id="7" name="Picture 6">
+            <a:extLst>
+              <a:ext uri="{FF2B5EF4-FFF2-40B4-BE49-F238E27FC236}">
+                <a16:creationId xmlns:a16="http://schemas.microsoft.com/office/drawing/2014/main" id="{F4BE3B4D-399E-F40A-3D52-6489EFBE39D8}"/>
+              </a:ext>
+            </a:extLst>
+          </p:cNvPr>
+          <p:cNvPicPr>
+            <a:picLocks noChangeAspect="1"/>
+          </p:cNvPicPr>
+          <p:nvPr/>
+        </p:nvPicPr>
+        <p:blipFill>
+          <a:blip r:embed="rId3"/>
+          <a:stretch>
+            <a:fillRect/>
+          </a:stretch>
+        </p:blipFill>
+        <p:spPr>
+          <a:xfrm>
+            <a:off x="6618288" y="772897"/>
+            <a:ext cx="4251960" cy="2852468"/>
+          </a:xfrm>
+          <a:prstGeom prst="rect">
+            <a:avLst/>
+          </a:prstGeom>
+          <a:ln>
+            <a:solidFill>
+              <a:schemeClr val="accent1"/>
+            </a:solidFill>
+          </a:ln>
+        </p:spPr>
+      </p:pic>
+      <p:pic>
+        <p:nvPicPr>
+          <p:cNvPr id="9" name="Picture 8">
+            <a:extLst>
+              <a:ext uri="{FF2B5EF4-FFF2-40B4-BE49-F238E27FC236}">
+                <a16:creationId xmlns:a16="http://schemas.microsoft.com/office/drawing/2014/main" id="{7CD123AC-2ED0-1459-2D16-DF711E08DA34}"/>
+              </a:ext>
+            </a:extLst>
+          </p:cNvPr>
+          <p:cNvPicPr>
+            <a:picLocks noChangeAspect="1"/>
+          </p:cNvPicPr>
+          <p:nvPr/>
+        </p:nvPicPr>
+        <p:blipFill>
+          <a:blip r:embed="rId4"/>
+          <a:stretch>
+            <a:fillRect/>
+          </a:stretch>
+        </p:blipFill>
+        <p:spPr>
+          <a:xfrm>
+            <a:off x="3970020" y="3812707"/>
+            <a:ext cx="4251960" cy="2908768"/>
+          </a:xfrm>
+          <a:prstGeom prst="rect">
+            <a:avLst/>
+          </a:prstGeom>
+          <a:ln>
+            <a:solidFill>
+              <a:schemeClr val="accent1"/>
+            </a:solidFill>
+          </a:ln>
+        </p:spPr>
+      </p:pic>
+    </p:spTree>
+    <p:extLst>
+      <p:ext uri="{BB962C8B-B14F-4D97-AF65-F5344CB8AC3E}">
+        <p14:creationId xmlns:p14="http://schemas.microsoft.com/office/powerpoint/2010/main" val="3151936200"/>
+      </p:ext>
+    </p:extLst>
+  </p:cSld>
+  <p:clrMapOvr>
+    <a:masterClrMapping/>
+  </p:clrMapOvr>
+  <mc:AlternateContent xmlns:mc="http://schemas.openxmlformats.org/markup-compatibility/2006" xmlns:p159="http://schemas.microsoft.com/office/powerpoint/2015/09/main">
+    <mc:Choice Requires="p159">
+      <p:transition xmlns:p14="http://schemas.microsoft.com/office/powerpoint/2010/main" spd="slow" p14:dur="2000">
+        <p159:morph option="byObject"/>
+      </p:transition>
+    </mc:Choice>
+    <mc:Fallback xmlns="">
+      <p:transition spd="slow">
+        <p:fade/>
+      </p:transition>
+    </mc:Fallback>
+  </mc:AlternateContent>
+</p:sld>
+</file>
+
+<file path=ppt/slides/slide17.xml><?xml version="1.0" encoding="utf-8"?>
+<p:sld xmlns:a="http://schemas.openxmlformats.org/drawingml/2006/main" xmlns:r="http://schemas.openxmlformats.org/officeDocument/2006/relationships" xmlns:p="http://schemas.openxmlformats.org/presentationml/2006/main">
+  <p:cSld>
+    <p:spTree>
+      <p:nvGrpSpPr>
+        <p:cNvPr id="1" name=""/>
+        <p:cNvGrpSpPr/>
+        <p:nvPr/>
+      </p:nvGrpSpPr>
+      <p:grpSpPr>
+        <a:xfrm>
+          <a:off x="0" y="0"/>
+          <a:ext cx="0" cy="0"/>
+          <a:chOff x="0" y="0"/>
+          <a:chExt cx="0" cy="0"/>
+        </a:xfrm>
+      </p:grpSpPr>
+      <p:sp>
+        <p:nvSpPr>
+          <p:cNvPr id="5" name="Title 4">
+            <a:extLst>
+              <a:ext uri="{FF2B5EF4-FFF2-40B4-BE49-F238E27FC236}">
+                <a16:creationId xmlns:a16="http://schemas.microsoft.com/office/drawing/2014/main" id="{545CE4E4-8AAD-7549-D138-2AF8AE3013C0}"/>
+              </a:ext>
+            </a:extLst>
+          </p:cNvPr>
+          <p:cNvSpPr>
+            <a:spLocks noGrp="1"/>
+          </p:cNvSpPr>
+          <p:nvPr>
+            <p:ph type="title"/>
+          </p:nvPr>
+        </p:nvSpPr>
+        <p:spPr/>
+        <p:txBody>
+          <a:bodyPr>
+            <a:normAutofit fontScale="90000"/>
+          </a:bodyPr>
+          <a:lstStyle/>
+          <a:p>
+            <a:r>
+              <a:rPr lang="en-US" dirty="0"/>
+              <a:t>Billing Configuration</a:t>
+            </a:r>
+          </a:p>
+        </p:txBody>
+      </p:sp>
+      <p:pic>
+        <p:nvPicPr>
+          <p:cNvPr id="4" name="Picture 3">
+            <a:extLst>
+              <a:ext uri="{FF2B5EF4-FFF2-40B4-BE49-F238E27FC236}">
+                <a16:creationId xmlns:a16="http://schemas.microsoft.com/office/drawing/2014/main" id="{17F6BFD1-4F05-73EF-7102-C9F24FFD0D41}"/>
+              </a:ext>
+            </a:extLst>
+          </p:cNvPr>
+          <p:cNvPicPr>
+            <a:picLocks noChangeAspect="1"/>
+          </p:cNvPicPr>
+          <p:nvPr/>
+        </p:nvPicPr>
+        <p:blipFill>
+          <a:blip r:embed="rId2"/>
+          <a:stretch>
+            <a:fillRect/>
+          </a:stretch>
+        </p:blipFill>
+        <p:spPr>
+          <a:xfrm>
+            <a:off x="607695" y="810997"/>
+            <a:ext cx="4514850" cy="2124075"/>
+          </a:xfrm>
+          <a:prstGeom prst="rect">
+            <a:avLst/>
+          </a:prstGeom>
+          <a:ln>
+            <a:solidFill>
+              <a:schemeClr val="accent1"/>
+            </a:solidFill>
+          </a:ln>
+        </p:spPr>
+      </p:pic>
+      <p:pic>
+        <p:nvPicPr>
+          <p:cNvPr id="8" name="Picture 7">
+            <a:extLst>
+              <a:ext uri="{FF2B5EF4-FFF2-40B4-BE49-F238E27FC236}">
+                <a16:creationId xmlns:a16="http://schemas.microsoft.com/office/drawing/2014/main" id="{CB103FF3-D1CE-4B81-6635-DB99B63A32D3}"/>
+              </a:ext>
+            </a:extLst>
+          </p:cNvPr>
+          <p:cNvPicPr>
+            <a:picLocks noChangeAspect="1"/>
+          </p:cNvPicPr>
+          <p:nvPr/>
+        </p:nvPicPr>
+        <p:blipFill>
+          <a:blip r:embed="rId3"/>
+          <a:stretch>
+            <a:fillRect/>
+          </a:stretch>
+        </p:blipFill>
+        <p:spPr>
+          <a:xfrm>
+            <a:off x="6445885" y="810997"/>
+            <a:ext cx="4410075" cy="3743325"/>
+          </a:xfrm>
+          <a:prstGeom prst="rect">
+            <a:avLst/>
+          </a:prstGeom>
+          <a:ln>
+            <a:solidFill>
+              <a:schemeClr val="accent1"/>
+            </a:solidFill>
+          </a:ln>
+        </p:spPr>
+      </p:pic>
+      <p:pic>
+        <p:nvPicPr>
+          <p:cNvPr id="10" name="Picture 9">
+            <a:extLst>
+              <a:ext uri="{FF2B5EF4-FFF2-40B4-BE49-F238E27FC236}">
+                <a16:creationId xmlns:a16="http://schemas.microsoft.com/office/drawing/2014/main" id="{26DA90E9-D8FC-B9E6-7634-1BF2AE5FD345}"/>
+              </a:ext>
+            </a:extLst>
+          </p:cNvPr>
+          <p:cNvPicPr>
+            <a:picLocks noChangeAspect="1"/>
+          </p:cNvPicPr>
+          <p:nvPr/>
+        </p:nvPicPr>
+        <p:blipFill>
+          <a:blip r:embed="rId4"/>
+          <a:stretch>
+            <a:fillRect/>
+          </a:stretch>
+        </p:blipFill>
+        <p:spPr>
+          <a:xfrm>
+            <a:off x="1704975" y="4368800"/>
+            <a:ext cx="4391025" cy="2352675"/>
+          </a:xfrm>
+          <a:prstGeom prst="rect">
+            <a:avLst/>
+          </a:prstGeom>
+          <a:ln>
+            <a:solidFill>
+              <a:schemeClr val="accent1"/>
+            </a:solidFill>
+          </a:ln>
+        </p:spPr>
+      </p:pic>
+    </p:spTree>
+    <p:extLst>
+      <p:ext uri="{BB962C8B-B14F-4D97-AF65-F5344CB8AC3E}">
+        <p14:creationId xmlns:p14="http://schemas.microsoft.com/office/powerpoint/2010/main" val="1198521423"/>
+      </p:ext>
+    </p:extLst>
+  </p:cSld>
+  <p:clrMapOvr>
+    <a:masterClrMapping/>
+  </p:clrMapOvr>
+  <mc:AlternateContent xmlns:mc="http://schemas.openxmlformats.org/markup-compatibility/2006" xmlns:p159="http://schemas.microsoft.com/office/powerpoint/2015/09/main">
+    <mc:Choice Requires="p159">
+      <p:transition xmlns:p14="http://schemas.microsoft.com/office/powerpoint/2010/main" spd="slow" p14:dur="2000">
+        <p159:morph option="byObject"/>
+      </p:transition>
+    </mc:Choice>
+    <mc:Fallback xmlns="">
+      <p:transition spd="slow">
+        <p:fade/>
+      </p:transition>
+    </mc:Fallback>
+  </mc:AlternateContent>
+</p:sld>
+</file>
+
+<file path=ppt/slides/slide18.xml><?xml version="1.0" encoding="utf-8"?>
+<p:sld xmlns:a="http://schemas.openxmlformats.org/drawingml/2006/main" xmlns:r="http://schemas.openxmlformats.org/officeDocument/2006/relationships" xmlns:p="http://schemas.openxmlformats.org/presentationml/2006/main">
+  <p:cSld>
+    <p:spTree>
+      <p:nvGrpSpPr>
+        <p:cNvPr id="1" name=""/>
+        <p:cNvGrpSpPr/>
+        <p:nvPr/>
+      </p:nvGrpSpPr>
+      <p:grpSpPr>
+        <a:xfrm>
+          <a:off x="0" y="0"/>
+          <a:ext cx="0" cy="0"/>
+          <a:chOff x="0" y="0"/>
+          <a:chExt cx="0" cy="0"/>
+        </a:xfrm>
+      </p:grpSpPr>
+      <p:sp>
+        <p:nvSpPr>
+          <p:cNvPr id="5" name="Title 4">
+            <a:extLst>
+              <a:ext uri="{FF2B5EF4-FFF2-40B4-BE49-F238E27FC236}">
+                <a16:creationId xmlns:a16="http://schemas.microsoft.com/office/drawing/2014/main" id="{545CE4E4-8AAD-7549-D138-2AF8AE3013C0}"/>
+              </a:ext>
+            </a:extLst>
+          </p:cNvPr>
+          <p:cNvSpPr>
+            <a:spLocks noGrp="1"/>
+          </p:cNvSpPr>
+          <p:nvPr>
+            <p:ph type="title"/>
+          </p:nvPr>
+        </p:nvSpPr>
+        <p:spPr/>
+        <p:txBody>
+          <a:bodyPr>
+            <a:normAutofit fontScale="90000"/>
+          </a:bodyPr>
+          <a:lstStyle/>
+          <a:p>
+            <a:r>
+              <a:rPr lang="en-US" dirty="0"/>
+              <a:t>Configuration Alarms</a:t>
+            </a:r>
+          </a:p>
+        </p:txBody>
+      </p:sp>
+      <p:pic>
+        <p:nvPicPr>
+          <p:cNvPr id="3" name="Picture 2">
+            <a:extLst>
+              <a:ext uri="{FF2B5EF4-FFF2-40B4-BE49-F238E27FC236}">
+                <a16:creationId xmlns:a16="http://schemas.microsoft.com/office/drawing/2014/main" id="{39AA2C5C-098F-A987-7D0E-BC2721987EB9}"/>
+              </a:ext>
+            </a:extLst>
+          </p:cNvPr>
+          <p:cNvPicPr>
+            <a:picLocks noChangeAspect="1"/>
+          </p:cNvPicPr>
+          <p:nvPr/>
+        </p:nvPicPr>
+        <p:blipFill>
+          <a:blip r:embed="rId2"/>
+          <a:stretch>
+            <a:fillRect/>
+          </a:stretch>
+        </p:blipFill>
+        <p:spPr>
+          <a:xfrm>
+            <a:off x="1000283" y="940959"/>
+            <a:ext cx="10191433" cy="5439203"/>
+          </a:xfrm>
+          <a:prstGeom prst="rect">
+            <a:avLst/>
+          </a:prstGeom>
+          <a:ln>
+            <a:solidFill>
+              <a:schemeClr val="accent1"/>
+            </a:solidFill>
+          </a:ln>
+        </p:spPr>
+      </p:pic>
+    </p:spTree>
+    <p:extLst>
+      <p:ext uri="{BB962C8B-B14F-4D97-AF65-F5344CB8AC3E}">
+        <p14:creationId xmlns:p14="http://schemas.microsoft.com/office/powerpoint/2010/main" val="2829817880"/>
+      </p:ext>
+    </p:extLst>
+  </p:cSld>
+  <p:clrMapOvr>
+    <a:masterClrMapping/>
+  </p:clrMapOvr>
+  <mc:AlternateContent xmlns:mc="http://schemas.openxmlformats.org/markup-compatibility/2006" xmlns:p159="http://schemas.microsoft.com/office/powerpoint/2015/09/main">
+    <mc:Choice Requires="p159">
+      <p:transition xmlns:p14="http://schemas.microsoft.com/office/powerpoint/2010/main" spd="slow" p14:dur="2000">
+        <p159:morph option="byObject"/>
+      </p:transition>
+    </mc:Choice>
+    <mc:Fallback xmlns="">
+      <p:transition spd="slow">
+        <p:fade/>
+      </p:transition>
+    </mc:Fallback>
+  </mc:AlternateContent>
+</p:sld>
+</file>
+
+<file path=ppt/slides/slide19.xml><?xml version="1.0" encoding="utf-8"?>
+<p:sld xmlns:a="http://schemas.openxmlformats.org/drawingml/2006/main" xmlns:r="http://schemas.openxmlformats.org/officeDocument/2006/relationships" xmlns:p="http://schemas.openxmlformats.org/presentationml/2006/main">
+  <p:cSld>
+    <p:spTree>
+      <p:nvGrpSpPr>
+        <p:cNvPr id="1" name=""/>
+        <p:cNvGrpSpPr/>
+        <p:nvPr/>
+      </p:nvGrpSpPr>
+      <p:grpSpPr>
+        <a:xfrm>
+          <a:off x="0" y="0"/>
+          <a:ext cx="0" cy="0"/>
+          <a:chOff x="0" y="0"/>
+          <a:chExt cx="0" cy="0"/>
+        </a:xfrm>
+      </p:grpSpPr>
+      <p:sp>
+        <p:nvSpPr>
+          <p:cNvPr id="5" name="Title 4">
+            <a:extLst>
+              <a:ext uri="{FF2B5EF4-FFF2-40B4-BE49-F238E27FC236}">
+                <a16:creationId xmlns:a16="http://schemas.microsoft.com/office/drawing/2014/main" id="{545CE4E4-8AAD-7549-D138-2AF8AE3013C0}"/>
+              </a:ext>
+            </a:extLst>
+          </p:cNvPr>
+          <p:cNvSpPr>
+            <a:spLocks noGrp="1"/>
+          </p:cNvSpPr>
+          <p:nvPr>
+            <p:ph type="title"/>
+          </p:nvPr>
+        </p:nvSpPr>
+        <p:spPr/>
+        <p:txBody>
+          <a:bodyPr>
+            <a:normAutofit fontScale="90000"/>
+          </a:bodyPr>
+          <a:lstStyle/>
+          <a:p>
+            <a:r>
+              <a:rPr lang="en-US" dirty="0"/>
+              <a:t>Configuration Alarms</a:t>
+            </a:r>
+          </a:p>
+        </p:txBody>
+      </p:sp>
+      <p:pic>
+        <p:nvPicPr>
+          <p:cNvPr id="4" name="Picture 3">
+            <a:extLst>
+              <a:ext uri="{FF2B5EF4-FFF2-40B4-BE49-F238E27FC236}">
+                <a16:creationId xmlns:a16="http://schemas.microsoft.com/office/drawing/2014/main" id="{53516EA5-6F1B-7492-F629-DC399C6D1F35}"/>
+              </a:ext>
+            </a:extLst>
+          </p:cNvPr>
+          <p:cNvPicPr>
+            <a:picLocks noChangeAspect="1"/>
+          </p:cNvPicPr>
+          <p:nvPr/>
+        </p:nvPicPr>
+        <p:blipFill>
+          <a:blip r:embed="rId2"/>
+          <a:stretch>
+            <a:fillRect/>
+          </a:stretch>
+        </p:blipFill>
+        <p:spPr>
+          <a:xfrm>
+            <a:off x="659130" y="810997"/>
+            <a:ext cx="10873740" cy="5676229"/>
+          </a:xfrm>
+          <a:prstGeom prst="rect">
+            <a:avLst/>
+          </a:prstGeom>
+          <a:ln>
+            <a:solidFill>
+              <a:schemeClr val="accent1"/>
+            </a:solidFill>
+          </a:ln>
+        </p:spPr>
+      </p:pic>
+    </p:spTree>
+    <p:extLst>
+      <p:ext uri="{BB962C8B-B14F-4D97-AF65-F5344CB8AC3E}">
+        <p14:creationId xmlns:p14="http://schemas.microsoft.com/office/powerpoint/2010/main" val="2424401727"/>
       </p:ext>
     </p:extLst>
   </p:cSld>
@@ -4436,8 +5039,8 @@
         </p:nvSpPr>
         <p:spPr>
           <a:xfrm>
-            <a:off x="414495" y="6352143"/>
-            <a:ext cx="6094324" cy="369332"/>
+            <a:off x="4581127" y="6047002"/>
+            <a:ext cx="3029745" cy="369332"/>
           </a:xfrm>
           <a:prstGeom prst="rect">
             <a:avLst/>
@@ -4485,7 +5088,7 @@
         </p:blipFill>
         <p:spPr>
           <a:xfrm>
-            <a:off x="733530" y="936789"/>
+            <a:off x="986413" y="936789"/>
             <a:ext cx="10219174" cy="4984421"/>
           </a:xfrm>
           <a:prstGeom prst="rect">
@@ -4502,6 +5105,1416 @@
     <p:extLst>
       <p:ext uri="{BB962C8B-B14F-4D97-AF65-F5344CB8AC3E}">
         <p14:creationId xmlns:p14="http://schemas.microsoft.com/office/powerpoint/2010/main" val="1083392141"/>
+      </p:ext>
+    </p:extLst>
+  </p:cSld>
+  <p:clrMapOvr>
+    <a:masterClrMapping/>
+  </p:clrMapOvr>
+  <mc:AlternateContent xmlns:mc="http://schemas.openxmlformats.org/markup-compatibility/2006" xmlns:p159="http://schemas.microsoft.com/office/powerpoint/2015/09/main">
+    <mc:Choice Requires="p159">
+      <p:transition xmlns:p14="http://schemas.microsoft.com/office/powerpoint/2010/main" spd="slow" p14:dur="2000">
+        <p159:morph option="byObject"/>
+      </p:transition>
+    </mc:Choice>
+    <mc:Fallback xmlns="">
+      <p:transition spd="slow">
+        <p:fade/>
+      </p:transition>
+    </mc:Fallback>
+  </mc:AlternateContent>
+</p:sld>
+</file>
+
+<file path=ppt/slides/slide20.xml><?xml version="1.0" encoding="utf-8"?>
+<p:sld xmlns:a="http://schemas.openxmlformats.org/drawingml/2006/main" xmlns:r="http://schemas.openxmlformats.org/officeDocument/2006/relationships" xmlns:p="http://schemas.openxmlformats.org/presentationml/2006/main">
+  <p:cSld>
+    <p:spTree>
+      <p:nvGrpSpPr>
+        <p:cNvPr id="1" name=""/>
+        <p:cNvGrpSpPr/>
+        <p:nvPr/>
+      </p:nvGrpSpPr>
+      <p:grpSpPr>
+        <a:xfrm>
+          <a:off x="0" y="0"/>
+          <a:ext cx="0" cy="0"/>
+          <a:chOff x="0" y="0"/>
+          <a:chExt cx="0" cy="0"/>
+        </a:xfrm>
+      </p:grpSpPr>
+      <p:sp>
+        <p:nvSpPr>
+          <p:cNvPr id="5" name="Title 4">
+            <a:extLst>
+              <a:ext uri="{FF2B5EF4-FFF2-40B4-BE49-F238E27FC236}">
+                <a16:creationId xmlns:a16="http://schemas.microsoft.com/office/drawing/2014/main" id="{545CE4E4-8AAD-7549-D138-2AF8AE3013C0}"/>
+              </a:ext>
+            </a:extLst>
+          </p:cNvPr>
+          <p:cNvSpPr>
+            <a:spLocks noGrp="1"/>
+          </p:cNvSpPr>
+          <p:nvPr>
+            <p:ph type="title"/>
+          </p:nvPr>
+        </p:nvSpPr>
+        <p:spPr/>
+        <p:txBody>
+          <a:bodyPr>
+            <a:normAutofit fontScale="90000"/>
+          </a:bodyPr>
+          <a:lstStyle/>
+          <a:p>
+            <a:r>
+              <a:rPr lang="en-US" dirty="0"/>
+              <a:t>Configuration Alarms</a:t>
+            </a:r>
+          </a:p>
+        </p:txBody>
+      </p:sp>
+      <p:pic>
+        <p:nvPicPr>
+          <p:cNvPr id="3" name="Picture 2">
+            <a:extLst>
+              <a:ext uri="{FF2B5EF4-FFF2-40B4-BE49-F238E27FC236}">
+                <a16:creationId xmlns:a16="http://schemas.microsoft.com/office/drawing/2014/main" id="{80DF8158-DF9D-8480-4201-94F39A2F31DB}"/>
+              </a:ext>
+            </a:extLst>
+          </p:cNvPr>
+          <p:cNvPicPr>
+            <a:picLocks noChangeAspect="1"/>
+          </p:cNvPicPr>
+          <p:nvPr/>
+        </p:nvPicPr>
+        <p:blipFill>
+          <a:blip r:embed="rId2"/>
+          <a:stretch>
+            <a:fillRect/>
+          </a:stretch>
+        </p:blipFill>
+        <p:spPr>
+          <a:xfrm>
+            <a:off x="895350" y="1543050"/>
+            <a:ext cx="10401300" cy="3771900"/>
+          </a:xfrm>
+          <a:prstGeom prst="rect">
+            <a:avLst/>
+          </a:prstGeom>
+          <a:ln>
+            <a:solidFill>
+              <a:schemeClr val="accent1"/>
+            </a:solidFill>
+          </a:ln>
+        </p:spPr>
+      </p:pic>
+      <p:sp>
+        <p:nvSpPr>
+          <p:cNvPr id="6" name="Oval 5">
+            <a:extLst>
+              <a:ext uri="{FF2B5EF4-FFF2-40B4-BE49-F238E27FC236}">
+                <a16:creationId xmlns:a16="http://schemas.microsoft.com/office/drawing/2014/main" id="{DFCA975E-76D1-F06A-A367-AE2421AF9DB8}"/>
+              </a:ext>
+            </a:extLst>
+          </p:cNvPr>
+          <p:cNvSpPr/>
+          <p:nvPr/>
+        </p:nvSpPr>
+        <p:spPr>
+          <a:xfrm>
+            <a:off x="11038840" y="2141957"/>
+            <a:ext cx="314960" cy="337083"/>
+          </a:xfrm>
+          <a:prstGeom prst="ellipse">
+            <a:avLst/>
+          </a:prstGeom>
+        </p:spPr>
+        <p:style>
+          <a:lnRef idx="2">
+            <a:schemeClr val="accent1">
+              <a:shade val="50000"/>
+            </a:schemeClr>
+          </a:lnRef>
+          <a:fillRef idx="1">
+            <a:schemeClr val="accent1"/>
+          </a:fillRef>
+          <a:effectRef idx="0">
+            <a:schemeClr val="accent1"/>
+          </a:effectRef>
+          <a:fontRef idx="minor">
+            <a:schemeClr val="lt1"/>
+          </a:fontRef>
+        </p:style>
+        <p:txBody>
+          <a:bodyPr rtlCol="0" anchor="ctr"/>
+          <a:lstStyle/>
+          <a:p>
+            <a:pPr algn="ctr"/>
+            <a:r>
+              <a:rPr lang="en-US" dirty="0"/>
+              <a:t>1</a:t>
+            </a:r>
+          </a:p>
+        </p:txBody>
+      </p:sp>
+      <p:sp>
+        <p:nvSpPr>
+          <p:cNvPr id="7" name="Oval 6">
+            <a:extLst>
+              <a:ext uri="{FF2B5EF4-FFF2-40B4-BE49-F238E27FC236}">
+                <a16:creationId xmlns:a16="http://schemas.microsoft.com/office/drawing/2014/main" id="{B37042B6-9481-7CE0-ADB3-EAA9B3613799}"/>
+              </a:ext>
+            </a:extLst>
+          </p:cNvPr>
+          <p:cNvSpPr/>
+          <p:nvPr/>
+        </p:nvSpPr>
+        <p:spPr>
+          <a:xfrm>
+            <a:off x="6609080" y="4681957"/>
+            <a:ext cx="314960" cy="337083"/>
+          </a:xfrm>
+          <a:prstGeom prst="ellipse">
+            <a:avLst/>
+          </a:prstGeom>
+        </p:spPr>
+        <p:style>
+          <a:lnRef idx="2">
+            <a:schemeClr val="accent1">
+              <a:shade val="50000"/>
+            </a:schemeClr>
+          </a:lnRef>
+          <a:fillRef idx="1">
+            <a:schemeClr val="accent1"/>
+          </a:fillRef>
+          <a:effectRef idx="0">
+            <a:schemeClr val="accent1"/>
+          </a:effectRef>
+          <a:fontRef idx="minor">
+            <a:schemeClr val="lt1"/>
+          </a:fontRef>
+        </p:style>
+        <p:txBody>
+          <a:bodyPr rtlCol="0" anchor="ctr"/>
+          <a:lstStyle/>
+          <a:p>
+            <a:pPr algn="ctr"/>
+            <a:r>
+              <a:rPr lang="en-US" dirty="0"/>
+              <a:t>2</a:t>
+            </a:r>
+          </a:p>
+        </p:txBody>
+      </p:sp>
+      <p:sp>
+        <p:nvSpPr>
+          <p:cNvPr id="9" name="TextBox 8">
+            <a:extLst>
+              <a:ext uri="{FF2B5EF4-FFF2-40B4-BE49-F238E27FC236}">
+                <a16:creationId xmlns:a16="http://schemas.microsoft.com/office/drawing/2014/main" id="{A0850661-C4D1-E54B-BD7E-CA7D4D2B94A0}"/>
+              </a:ext>
+            </a:extLst>
+          </p:cNvPr>
+          <p:cNvSpPr txBox="1"/>
+          <p:nvPr/>
+        </p:nvSpPr>
+        <p:spPr>
+          <a:xfrm>
+            <a:off x="4883969" y="5811520"/>
+            <a:ext cx="2424062" cy="646331"/>
+          </a:xfrm>
+          <a:prstGeom prst="rect">
+            <a:avLst/>
+          </a:prstGeom>
+          <a:noFill/>
+        </p:spPr>
+        <p:txBody>
+          <a:bodyPr wrap="none" rtlCol="0">
+            <a:spAutoFit/>
+          </a:bodyPr>
+          <a:lstStyle/>
+          <a:p>
+            <a:pPr marL="342900" indent="-342900">
+              <a:buClr>
+                <a:schemeClr val="accent2"/>
+              </a:buClr>
+              <a:buAutoNum type="arabicPeriod"/>
+            </a:pPr>
+            <a:r>
+              <a:rPr lang="en-US" dirty="0"/>
+              <a:t>By Steps</a:t>
+            </a:r>
+          </a:p>
+          <a:p>
+            <a:pPr marL="342900" indent="-342900">
+              <a:buClr>
+                <a:schemeClr val="accent2"/>
+              </a:buClr>
+              <a:buAutoNum type="arabicPeriod"/>
+            </a:pPr>
+            <a:r>
+              <a:rPr lang="en-US" dirty="0"/>
+              <a:t>Direct Configuration</a:t>
+            </a:r>
+          </a:p>
+        </p:txBody>
+      </p:sp>
+    </p:spTree>
+    <p:extLst>
+      <p:ext uri="{BB962C8B-B14F-4D97-AF65-F5344CB8AC3E}">
+        <p14:creationId xmlns:p14="http://schemas.microsoft.com/office/powerpoint/2010/main" val="2650073415"/>
+      </p:ext>
+    </p:extLst>
+  </p:cSld>
+  <p:clrMapOvr>
+    <a:masterClrMapping/>
+  </p:clrMapOvr>
+  <mc:AlternateContent xmlns:mc="http://schemas.openxmlformats.org/markup-compatibility/2006" xmlns:p159="http://schemas.microsoft.com/office/powerpoint/2015/09/main">
+    <mc:Choice Requires="p159">
+      <p:transition xmlns:p14="http://schemas.microsoft.com/office/powerpoint/2010/main" spd="slow" p14:dur="2000">
+        <p159:morph option="byObject"/>
+      </p:transition>
+    </mc:Choice>
+    <mc:Fallback xmlns="">
+      <p:transition spd="slow">
+        <p:fade/>
+      </p:transition>
+    </mc:Fallback>
+  </mc:AlternateContent>
+</p:sld>
+</file>
+
+<file path=ppt/slides/slide21.xml><?xml version="1.0" encoding="utf-8"?>
+<p:sld xmlns:a="http://schemas.openxmlformats.org/drawingml/2006/main" xmlns:r="http://schemas.openxmlformats.org/officeDocument/2006/relationships" xmlns:p="http://schemas.openxmlformats.org/presentationml/2006/main">
+  <p:cSld>
+    <p:spTree>
+      <p:nvGrpSpPr>
+        <p:cNvPr id="1" name=""/>
+        <p:cNvGrpSpPr/>
+        <p:nvPr/>
+      </p:nvGrpSpPr>
+      <p:grpSpPr>
+        <a:xfrm>
+          <a:off x="0" y="0"/>
+          <a:ext cx="0" cy="0"/>
+          <a:chOff x="0" y="0"/>
+          <a:chExt cx="0" cy="0"/>
+        </a:xfrm>
+      </p:grpSpPr>
+      <p:sp>
+        <p:nvSpPr>
+          <p:cNvPr id="5" name="Title 4">
+            <a:extLst>
+              <a:ext uri="{FF2B5EF4-FFF2-40B4-BE49-F238E27FC236}">
+                <a16:creationId xmlns:a16="http://schemas.microsoft.com/office/drawing/2014/main" id="{545CE4E4-8AAD-7549-D138-2AF8AE3013C0}"/>
+              </a:ext>
+            </a:extLst>
+          </p:cNvPr>
+          <p:cNvSpPr>
+            <a:spLocks noGrp="1"/>
+          </p:cNvSpPr>
+          <p:nvPr>
+            <p:ph type="title"/>
+          </p:nvPr>
+        </p:nvSpPr>
+        <p:spPr/>
+        <p:txBody>
+          <a:bodyPr>
+            <a:normAutofit fontScale="90000"/>
+          </a:bodyPr>
+          <a:lstStyle/>
+          <a:p>
+            <a:r>
+              <a:rPr lang="en-US" dirty="0"/>
+              <a:t>Configuration Alarms</a:t>
+            </a:r>
+          </a:p>
+        </p:txBody>
+      </p:sp>
+      <p:pic>
+        <p:nvPicPr>
+          <p:cNvPr id="4" name="Picture 3">
+            <a:extLst>
+              <a:ext uri="{FF2B5EF4-FFF2-40B4-BE49-F238E27FC236}">
+                <a16:creationId xmlns:a16="http://schemas.microsoft.com/office/drawing/2014/main" id="{1DA5C4CE-23A7-C354-5647-585261E6689C}"/>
+              </a:ext>
+            </a:extLst>
+          </p:cNvPr>
+          <p:cNvPicPr>
+            <a:picLocks noChangeAspect="1"/>
+          </p:cNvPicPr>
+          <p:nvPr/>
+        </p:nvPicPr>
+        <p:blipFill>
+          <a:blip r:embed="rId2"/>
+          <a:stretch>
+            <a:fillRect/>
+          </a:stretch>
+        </p:blipFill>
+        <p:spPr>
+          <a:xfrm>
+            <a:off x="2076450" y="2009775"/>
+            <a:ext cx="8039100" cy="2838450"/>
+          </a:xfrm>
+          <a:prstGeom prst="rect">
+            <a:avLst/>
+          </a:prstGeom>
+          <a:ln>
+            <a:solidFill>
+              <a:schemeClr val="accent1"/>
+            </a:solidFill>
+          </a:ln>
+        </p:spPr>
+      </p:pic>
+    </p:spTree>
+    <p:extLst>
+      <p:ext uri="{BB962C8B-B14F-4D97-AF65-F5344CB8AC3E}">
+        <p14:creationId xmlns:p14="http://schemas.microsoft.com/office/powerpoint/2010/main" val="3085882349"/>
+      </p:ext>
+    </p:extLst>
+  </p:cSld>
+  <p:clrMapOvr>
+    <a:masterClrMapping/>
+  </p:clrMapOvr>
+  <mc:AlternateContent xmlns:mc="http://schemas.openxmlformats.org/markup-compatibility/2006" xmlns:p159="http://schemas.microsoft.com/office/powerpoint/2015/09/main">
+    <mc:Choice Requires="p159">
+      <p:transition xmlns:p14="http://schemas.microsoft.com/office/powerpoint/2010/main" spd="slow" p14:dur="2000">
+        <p159:morph option="byObject"/>
+      </p:transition>
+    </mc:Choice>
+    <mc:Fallback xmlns="">
+      <p:transition spd="slow">
+        <p:fade/>
+      </p:transition>
+    </mc:Fallback>
+  </mc:AlternateContent>
+</p:sld>
+</file>
+
+<file path=ppt/slides/slide22.xml><?xml version="1.0" encoding="utf-8"?>
+<p:sld xmlns:a="http://schemas.openxmlformats.org/drawingml/2006/main" xmlns:r="http://schemas.openxmlformats.org/officeDocument/2006/relationships" xmlns:p="http://schemas.openxmlformats.org/presentationml/2006/main">
+  <p:cSld>
+    <p:spTree>
+      <p:nvGrpSpPr>
+        <p:cNvPr id="1" name=""/>
+        <p:cNvGrpSpPr/>
+        <p:nvPr/>
+      </p:nvGrpSpPr>
+      <p:grpSpPr>
+        <a:xfrm>
+          <a:off x="0" y="0"/>
+          <a:ext cx="0" cy="0"/>
+          <a:chOff x="0" y="0"/>
+          <a:chExt cx="0" cy="0"/>
+        </a:xfrm>
+      </p:grpSpPr>
+      <p:sp>
+        <p:nvSpPr>
+          <p:cNvPr id="5" name="Title 4">
+            <a:extLst>
+              <a:ext uri="{FF2B5EF4-FFF2-40B4-BE49-F238E27FC236}">
+                <a16:creationId xmlns:a16="http://schemas.microsoft.com/office/drawing/2014/main" id="{545CE4E4-8AAD-7549-D138-2AF8AE3013C0}"/>
+              </a:ext>
+            </a:extLst>
+          </p:cNvPr>
+          <p:cNvSpPr>
+            <a:spLocks noGrp="1"/>
+          </p:cNvSpPr>
+          <p:nvPr>
+            <p:ph type="title"/>
+          </p:nvPr>
+        </p:nvSpPr>
+        <p:spPr/>
+        <p:txBody>
+          <a:bodyPr>
+            <a:normAutofit fontScale="90000"/>
+          </a:bodyPr>
+          <a:lstStyle/>
+          <a:p>
+            <a:r>
+              <a:rPr lang="en-US" dirty="0"/>
+              <a:t>Configuration Alarms</a:t>
+            </a:r>
+          </a:p>
+        </p:txBody>
+      </p:sp>
+      <p:pic>
+        <p:nvPicPr>
+          <p:cNvPr id="3" name="Picture 2">
+            <a:extLst>
+              <a:ext uri="{FF2B5EF4-FFF2-40B4-BE49-F238E27FC236}">
+                <a16:creationId xmlns:a16="http://schemas.microsoft.com/office/drawing/2014/main" id="{B3DE1163-F272-8876-5A4B-55393C2AEB4F}"/>
+              </a:ext>
+            </a:extLst>
+          </p:cNvPr>
+          <p:cNvPicPr>
+            <a:picLocks noChangeAspect="1"/>
+          </p:cNvPicPr>
+          <p:nvPr/>
+        </p:nvPicPr>
+        <p:blipFill>
+          <a:blip r:embed="rId2"/>
+          <a:stretch>
+            <a:fillRect/>
+          </a:stretch>
+        </p:blipFill>
+        <p:spPr>
+          <a:xfrm>
+            <a:off x="514667" y="810997"/>
+            <a:ext cx="6505893" cy="3283873"/>
+          </a:xfrm>
+          <a:prstGeom prst="rect">
+            <a:avLst/>
+          </a:prstGeom>
+          <a:ln>
+            <a:solidFill>
+              <a:schemeClr val="accent1"/>
+            </a:solidFill>
+          </a:ln>
+        </p:spPr>
+      </p:pic>
+      <p:pic>
+        <p:nvPicPr>
+          <p:cNvPr id="7" name="Picture 6">
+            <a:extLst>
+              <a:ext uri="{FF2B5EF4-FFF2-40B4-BE49-F238E27FC236}">
+                <a16:creationId xmlns:a16="http://schemas.microsoft.com/office/drawing/2014/main" id="{D5622FB9-4EE4-F060-5023-618FA7728A1D}"/>
+              </a:ext>
+            </a:extLst>
+          </p:cNvPr>
+          <p:cNvPicPr>
+            <a:picLocks noChangeAspect="1"/>
+          </p:cNvPicPr>
+          <p:nvPr/>
+        </p:nvPicPr>
+        <p:blipFill>
+          <a:blip r:embed="rId3"/>
+          <a:stretch>
+            <a:fillRect/>
+          </a:stretch>
+        </p:blipFill>
+        <p:spPr>
+          <a:xfrm>
+            <a:off x="5171440" y="3220540"/>
+            <a:ext cx="6505893" cy="3292410"/>
+          </a:xfrm>
+          <a:prstGeom prst="rect">
+            <a:avLst/>
+          </a:prstGeom>
+          <a:ln>
+            <a:solidFill>
+              <a:schemeClr val="accent1"/>
+            </a:solidFill>
+          </a:ln>
+        </p:spPr>
+      </p:pic>
+    </p:spTree>
+    <p:extLst>
+      <p:ext uri="{BB962C8B-B14F-4D97-AF65-F5344CB8AC3E}">
+        <p14:creationId xmlns:p14="http://schemas.microsoft.com/office/powerpoint/2010/main" val="907405596"/>
+      </p:ext>
+    </p:extLst>
+  </p:cSld>
+  <p:clrMapOvr>
+    <a:masterClrMapping/>
+  </p:clrMapOvr>
+  <mc:AlternateContent xmlns:mc="http://schemas.openxmlformats.org/markup-compatibility/2006" xmlns:p159="http://schemas.microsoft.com/office/powerpoint/2015/09/main">
+    <mc:Choice Requires="p159">
+      <p:transition xmlns:p14="http://schemas.microsoft.com/office/powerpoint/2010/main" spd="slow" p14:dur="2000">
+        <p159:morph option="byObject"/>
+      </p:transition>
+    </mc:Choice>
+    <mc:Fallback xmlns="">
+      <p:transition spd="slow">
+        <p:fade/>
+      </p:transition>
+    </mc:Fallback>
+  </mc:AlternateContent>
+</p:sld>
+</file>
+
+<file path=ppt/slides/slide23.xml><?xml version="1.0" encoding="utf-8"?>
+<p:sld xmlns:a="http://schemas.openxmlformats.org/drawingml/2006/main" xmlns:r="http://schemas.openxmlformats.org/officeDocument/2006/relationships" xmlns:p="http://schemas.openxmlformats.org/presentationml/2006/main">
+  <p:cSld>
+    <p:spTree>
+      <p:nvGrpSpPr>
+        <p:cNvPr id="1" name=""/>
+        <p:cNvGrpSpPr/>
+        <p:nvPr/>
+      </p:nvGrpSpPr>
+      <p:grpSpPr>
+        <a:xfrm>
+          <a:off x="0" y="0"/>
+          <a:ext cx="0" cy="0"/>
+          <a:chOff x="0" y="0"/>
+          <a:chExt cx="0" cy="0"/>
+        </a:xfrm>
+      </p:grpSpPr>
+      <p:sp>
+        <p:nvSpPr>
+          <p:cNvPr id="5" name="Title 4">
+            <a:extLst>
+              <a:ext uri="{FF2B5EF4-FFF2-40B4-BE49-F238E27FC236}">
+                <a16:creationId xmlns:a16="http://schemas.microsoft.com/office/drawing/2014/main" id="{545CE4E4-8AAD-7549-D138-2AF8AE3013C0}"/>
+              </a:ext>
+            </a:extLst>
+          </p:cNvPr>
+          <p:cNvSpPr>
+            <a:spLocks noGrp="1"/>
+          </p:cNvSpPr>
+          <p:nvPr>
+            <p:ph type="title"/>
+          </p:nvPr>
+        </p:nvSpPr>
+        <p:spPr/>
+        <p:txBody>
+          <a:bodyPr>
+            <a:normAutofit fontScale="90000"/>
+          </a:bodyPr>
+          <a:lstStyle/>
+          <a:p>
+            <a:r>
+              <a:rPr lang="en-US" dirty="0"/>
+              <a:t>Configuration Alarms</a:t>
+            </a:r>
+          </a:p>
+        </p:txBody>
+      </p:sp>
+      <p:pic>
+        <p:nvPicPr>
+          <p:cNvPr id="4" name="Picture 3">
+            <a:extLst>
+              <a:ext uri="{FF2B5EF4-FFF2-40B4-BE49-F238E27FC236}">
+                <a16:creationId xmlns:a16="http://schemas.microsoft.com/office/drawing/2014/main" id="{7C0B10F9-E832-B40D-C72F-63759B91A976}"/>
+              </a:ext>
+            </a:extLst>
+          </p:cNvPr>
+          <p:cNvPicPr>
+            <a:picLocks noChangeAspect="1"/>
+          </p:cNvPicPr>
+          <p:nvPr/>
+        </p:nvPicPr>
+        <p:blipFill>
+          <a:blip r:embed="rId2"/>
+          <a:stretch>
+            <a:fillRect/>
+          </a:stretch>
+        </p:blipFill>
+        <p:spPr>
+          <a:xfrm>
+            <a:off x="1184910" y="895906"/>
+            <a:ext cx="9822180" cy="5825569"/>
+          </a:xfrm>
+          <a:prstGeom prst="rect">
+            <a:avLst/>
+          </a:prstGeom>
+          <a:ln>
+            <a:solidFill>
+              <a:schemeClr val="accent1"/>
+            </a:solidFill>
+          </a:ln>
+        </p:spPr>
+      </p:pic>
+    </p:spTree>
+    <p:extLst>
+      <p:ext uri="{BB962C8B-B14F-4D97-AF65-F5344CB8AC3E}">
+        <p14:creationId xmlns:p14="http://schemas.microsoft.com/office/powerpoint/2010/main" val="1322448560"/>
+      </p:ext>
+    </p:extLst>
+  </p:cSld>
+  <p:clrMapOvr>
+    <a:masterClrMapping/>
+  </p:clrMapOvr>
+  <mc:AlternateContent xmlns:mc="http://schemas.openxmlformats.org/markup-compatibility/2006" xmlns:p159="http://schemas.microsoft.com/office/powerpoint/2015/09/main">
+    <mc:Choice Requires="p159">
+      <p:transition xmlns:p14="http://schemas.microsoft.com/office/powerpoint/2010/main" spd="slow" p14:dur="2000">
+        <p159:morph option="byObject"/>
+      </p:transition>
+    </mc:Choice>
+    <mc:Fallback xmlns="">
+      <p:transition spd="slow">
+        <p:fade/>
+      </p:transition>
+    </mc:Fallback>
+  </mc:AlternateContent>
+</p:sld>
+</file>
+
+<file path=ppt/slides/slide24.xml><?xml version="1.0" encoding="utf-8"?>
+<p:sld xmlns:a="http://schemas.openxmlformats.org/drawingml/2006/main" xmlns:r="http://schemas.openxmlformats.org/officeDocument/2006/relationships" xmlns:p="http://schemas.openxmlformats.org/presentationml/2006/main">
+  <p:cSld>
+    <p:spTree>
+      <p:nvGrpSpPr>
+        <p:cNvPr id="1" name=""/>
+        <p:cNvGrpSpPr/>
+        <p:nvPr/>
+      </p:nvGrpSpPr>
+      <p:grpSpPr>
+        <a:xfrm>
+          <a:off x="0" y="0"/>
+          <a:ext cx="0" cy="0"/>
+          <a:chOff x="0" y="0"/>
+          <a:chExt cx="0" cy="0"/>
+        </a:xfrm>
+      </p:grpSpPr>
+      <p:sp>
+        <p:nvSpPr>
+          <p:cNvPr id="5" name="Title 4">
+            <a:extLst>
+              <a:ext uri="{FF2B5EF4-FFF2-40B4-BE49-F238E27FC236}">
+                <a16:creationId xmlns:a16="http://schemas.microsoft.com/office/drawing/2014/main" id="{545CE4E4-8AAD-7549-D138-2AF8AE3013C0}"/>
+              </a:ext>
+            </a:extLst>
+          </p:cNvPr>
+          <p:cNvSpPr>
+            <a:spLocks noGrp="1"/>
+          </p:cNvSpPr>
+          <p:nvPr>
+            <p:ph type="title"/>
+          </p:nvPr>
+        </p:nvSpPr>
+        <p:spPr/>
+        <p:txBody>
+          <a:bodyPr>
+            <a:normAutofit fontScale="90000"/>
+          </a:bodyPr>
+          <a:lstStyle/>
+          <a:p>
+            <a:r>
+              <a:rPr lang="en-US" dirty="0"/>
+              <a:t>Configuration Alarms</a:t>
+            </a:r>
+          </a:p>
+        </p:txBody>
+      </p:sp>
+      <p:pic>
+        <p:nvPicPr>
+          <p:cNvPr id="3" name="Picture 2">
+            <a:extLst>
+              <a:ext uri="{FF2B5EF4-FFF2-40B4-BE49-F238E27FC236}">
+                <a16:creationId xmlns:a16="http://schemas.microsoft.com/office/drawing/2014/main" id="{47012A73-1000-3F58-871E-5A6DB683A977}"/>
+              </a:ext>
+            </a:extLst>
+          </p:cNvPr>
+          <p:cNvPicPr>
+            <a:picLocks noChangeAspect="1"/>
+          </p:cNvPicPr>
+          <p:nvPr/>
+        </p:nvPicPr>
+        <p:blipFill>
+          <a:blip r:embed="rId2"/>
+          <a:stretch>
+            <a:fillRect/>
+          </a:stretch>
+        </p:blipFill>
+        <p:spPr>
+          <a:xfrm>
+            <a:off x="838200" y="810997"/>
+            <a:ext cx="4256810" cy="5910478"/>
+          </a:xfrm>
+          <a:prstGeom prst="rect">
+            <a:avLst/>
+          </a:prstGeom>
+          <a:ln>
+            <a:solidFill>
+              <a:schemeClr val="accent1"/>
+            </a:solidFill>
+          </a:ln>
+        </p:spPr>
+      </p:pic>
+      <p:pic>
+        <p:nvPicPr>
+          <p:cNvPr id="9" name="Picture 8">
+            <a:extLst>
+              <a:ext uri="{FF2B5EF4-FFF2-40B4-BE49-F238E27FC236}">
+                <a16:creationId xmlns:a16="http://schemas.microsoft.com/office/drawing/2014/main" id="{C3EC9430-B69E-1962-E91F-397A1B557862}"/>
+              </a:ext>
+            </a:extLst>
+          </p:cNvPr>
+          <p:cNvPicPr>
+            <a:picLocks noChangeAspect="1"/>
+          </p:cNvPicPr>
+          <p:nvPr/>
+        </p:nvPicPr>
+        <p:blipFill>
+          <a:blip r:embed="rId3"/>
+          <a:stretch>
+            <a:fillRect/>
+          </a:stretch>
+        </p:blipFill>
+        <p:spPr>
+          <a:xfrm>
+            <a:off x="6589395" y="1195387"/>
+            <a:ext cx="5048250" cy="4467225"/>
+          </a:xfrm>
+          <a:prstGeom prst="rect">
+            <a:avLst/>
+          </a:prstGeom>
+          <a:ln>
+            <a:solidFill>
+              <a:schemeClr val="accent1"/>
+            </a:solidFill>
+          </a:ln>
+        </p:spPr>
+      </p:pic>
+    </p:spTree>
+    <p:extLst>
+      <p:ext uri="{BB962C8B-B14F-4D97-AF65-F5344CB8AC3E}">
+        <p14:creationId xmlns:p14="http://schemas.microsoft.com/office/powerpoint/2010/main" val="1243183012"/>
+      </p:ext>
+    </p:extLst>
+  </p:cSld>
+  <p:clrMapOvr>
+    <a:masterClrMapping/>
+  </p:clrMapOvr>
+  <mc:AlternateContent xmlns:mc="http://schemas.openxmlformats.org/markup-compatibility/2006" xmlns:p159="http://schemas.microsoft.com/office/powerpoint/2015/09/main">
+    <mc:Choice Requires="p159">
+      <p:transition xmlns:p14="http://schemas.microsoft.com/office/powerpoint/2010/main" spd="slow" p14:dur="2000">
+        <p159:morph option="byObject"/>
+      </p:transition>
+    </mc:Choice>
+    <mc:Fallback xmlns="">
+      <p:transition spd="slow">
+        <p:fade/>
+      </p:transition>
+    </mc:Fallback>
+  </mc:AlternateContent>
+</p:sld>
+</file>
+
+<file path=ppt/slides/slide25.xml><?xml version="1.0" encoding="utf-8"?>
+<p:sld xmlns:a="http://schemas.openxmlformats.org/drawingml/2006/main" xmlns:r="http://schemas.openxmlformats.org/officeDocument/2006/relationships" xmlns:p="http://schemas.openxmlformats.org/presentationml/2006/main">
+  <p:cSld>
+    <p:spTree>
+      <p:nvGrpSpPr>
+        <p:cNvPr id="1" name=""/>
+        <p:cNvGrpSpPr/>
+        <p:nvPr/>
+      </p:nvGrpSpPr>
+      <p:grpSpPr>
+        <a:xfrm>
+          <a:off x="0" y="0"/>
+          <a:ext cx="0" cy="0"/>
+          <a:chOff x="0" y="0"/>
+          <a:chExt cx="0" cy="0"/>
+        </a:xfrm>
+      </p:grpSpPr>
+      <p:sp>
+        <p:nvSpPr>
+          <p:cNvPr id="5" name="Title 4">
+            <a:extLst>
+              <a:ext uri="{FF2B5EF4-FFF2-40B4-BE49-F238E27FC236}">
+                <a16:creationId xmlns:a16="http://schemas.microsoft.com/office/drawing/2014/main" id="{545CE4E4-8AAD-7549-D138-2AF8AE3013C0}"/>
+              </a:ext>
+            </a:extLst>
+          </p:cNvPr>
+          <p:cNvSpPr>
+            <a:spLocks noGrp="1"/>
+          </p:cNvSpPr>
+          <p:nvPr>
+            <p:ph type="title"/>
+          </p:nvPr>
+        </p:nvSpPr>
+        <p:spPr/>
+        <p:txBody>
+          <a:bodyPr>
+            <a:normAutofit fontScale="90000"/>
+          </a:bodyPr>
+          <a:lstStyle/>
+          <a:p>
+            <a:r>
+              <a:rPr lang="en-US" dirty="0"/>
+              <a:t>Configuration Alarms</a:t>
+            </a:r>
+          </a:p>
+        </p:txBody>
+      </p:sp>
+      <p:pic>
+        <p:nvPicPr>
+          <p:cNvPr id="4" name="Picture 3">
+            <a:extLst>
+              <a:ext uri="{FF2B5EF4-FFF2-40B4-BE49-F238E27FC236}">
+                <a16:creationId xmlns:a16="http://schemas.microsoft.com/office/drawing/2014/main" id="{CDA6FA06-52C1-DD38-200F-595FFB4BE253}"/>
+              </a:ext>
+            </a:extLst>
+          </p:cNvPr>
+          <p:cNvPicPr>
+            <a:picLocks noChangeAspect="1"/>
+          </p:cNvPicPr>
+          <p:nvPr/>
+        </p:nvPicPr>
+        <p:blipFill>
+          <a:blip r:embed="rId2"/>
+          <a:stretch>
+            <a:fillRect/>
+          </a:stretch>
+        </p:blipFill>
+        <p:spPr>
+          <a:xfrm>
+            <a:off x="1184986" y="810997"/>
+            <a:ext cx="4073016" cy="5791200"/>
+          </a:xfrm>
+          <a:prstGeom prst="rect">
+            <a:avLst/>
+          </a:prstGeom>
+          <a:ln>
+            <a:solidFill>
+              <a:schemeClr val="accent1"/>
+            </a:solidFill>
+          </a:ln>
+        </p:spPr>
+      </p:pic>
+      <p:pic>
+        <p:nvPicPr>
+          <p:cNvPr id="8" name="Picture 7">
+            <a:extLst>
+              <a:ext uri="{FF2B5EF4-FFF2-40B4-BE49-F238E27FC236}">
+                <a16:creationId xmlns:a16="http://schemas.microsoft.com/office/drawing/2014/main" id="{8B957CF9-1F47-5272-51A7-73EAEEAE0A1A}"/>
+              </a:ext>
+            </a:extLst>
+          </p:cNvPr>
+          <p:cNvPicPr>
+            <a:picLocks noChangeAspect="1"/>
+          </p:cNvPicPr>
+          <p:nvPr/>
+        </p:nvPicPr>
+        <p:blipFill>
+          <a:blip r:embed="rId3"/>
+          <a:stretch>
+            <a:fillRect/>
+          </a:stretch>
+        </p:blipFill>
+        <p:spPr>
+          <a:xfrm>
+            <a:off x="6391834" y="1519237"/>
+            <a:ext cx="5143500" cy="3819525"/>
+          </a:xfrm>
+          <a:prstGeom prst="rect">
+            <a:avLst/>
+          </a:prstGeom>
+          <a:ln>
+            <a:solidFill>
+              <a:schemeClr val="accent1"/>
+            </a:solidFill>
+          </a:ln>
+        </p:spPr>
+      </p:pic>
+    </p:spTree>
+    <p:extLst>
+      <p:ext uri="{BB962C8B-B14F-4D97-AF65-F5344CB8AC3E}">
+        <p14:creationId xmlns:p14="http://schemas.microsoft.com/office/powerpoint/2010/main" val="2468961991"/>
+      </p:ext>
+    </p:extLst>
+  </p:cSld>
+  <p:clrMapOvr>
+    <a:masterClrMapping/>
+  </p:clrMapOvr>
+  <mc:AlternateContent xmlns:mc="http://schemas.openxmlformats.org/markup-compatibility/2006" xmlns:p159="http://schemas.microsoft.com/office/powerpoint/2015/09/main">
+    <mc:Choice Requires="p159">
+      <p:transition xmlns:p14="http://schemas.microsoft.com/office/powerpoint/2010/main" spd="slow" p14:dur="2000">
+        <p159:morph option="byObject"/>
+      </p:transition>
+    </mc:Choice>
+    <mc:Fallback xmlns="">
+      <p:transition spd="slow">
+        <p:fade/>
+      </p:transition>
+    </mc:Fallback>
+  </mc:AlternateContent>
+</p:sld>
+</file>
+
+<file path=ppt/slides/slide26.xml><?xml version="1.0" encoding="utf-8"?>
+<p:sld xmlns:a="http://schemas.openxmlformats.org/drawingml/2006/main" xmlns:r="http://schemas.openxmlformats.org/officeDocument/2006/relationships" xmlns:p="http://schemas.openxmlformats.org/presentationml/2006/main">
+  <p:cSld>
+    <p:spTree>
+      <p:nvGrpSpPr>
+        <p:cNvPr id="1" name=""/>
+        <p:cNvGrpSpPr/>
+        <p:nvPr/>
+      </p:nvGrpSpPr>
+      <p:grpSpPr>
+        <a:xfrm>
+          <a:off x="0" y="0"/>
+          <a:ext cx="0" cy="0"/>
+          <a:chOff x="0" y="0"/>
+          <a:chExt cx="0" cy="0"/>
+        </a:xfrm>
+      </p:grpSpPr>
+      <p:sp>
+        <p:nvSpPr>
+          <p:cNvPr id="5" name="Title 4">
+            <a:extLst>
+              <a:ext uri="{FF2B5EF4-FFF2-40B4-BE49-F238E27FC236}">
+                <a16:creationId xmlns:a16="http://schemas.microsoft.com/office/drawing/2014/main" id="{545CE4E4-8AAD-7549-D138-2AF8AE3013C0}"/>
+              </a:ext>
+            </a:extLst>
+          </p:cNvPr>
+          <p:cNvSpPr>
+            <a:spLocks noGrp="1"/>
+          </p:cNvSpPr>
+          <p:nvPr>
+            <p:ph type="title"/>
+          </p:nvPr>
+        </p:nvSpPr>
+        <p:spPr/>
+        <p:txBody>
+          <a:bodyPr>
+            <a:normAutofit fontScale="90000"/>
+          </a:bodyPr>
+          <a:lstStyle/>
+          <a:p>
+            <a:r>
+              <a:rPr lang="en-US" dirty="0"/>
+              <a:t>Configuration Alarms</a:t>
+            </a:r>
+          </a:p>
+        </p:txBody>
+      </p:sp>
+      <p:pic>
+        <p:nvPicPr>
+          <p:cNvPr id="10" name="Picture 9">
+            <a:extLst>
+              <a:ext uri="{FF2B5EF4-FFF2-40B4-BE49-F238E27FC236}">
+                <a16:creationId xmlns:a16="http://schemas.microsoft.com/office/drawing/2014/main" id="{871AC65B-6BA9-CE03-CEE6-856C3DCB19A3}"/>
+              </a:ext>
+            </a:extLst>
+          </p:cNvPr>
+          <p:cNvPicPr>
+            <a:picLocks noChangeAspect="1"/>
+          </p:cNvPicPr>
+          <p:nvPr/>
+        </p:nvPicPr>
+        <p:blipFill>
+          <a:blip r:embed="rId2"/>
+          <a:stretch>
+            <a:fillRect/>
+          </a:stretch>
+        </p:blipFill>
+        <p:spPr>
+          <a:xfrm>
+            <a:off x="542925" y="810997"/>
+            <a:ext cx="3131755" cy="5904128"/>
+          </a:xfrm>
+          <a:prstGeom prst="rect">
+            <a:avLst/>
+          </a:prstGeom>
+          <a:ln>
+            <a:solidFill>
+              <a:schemeClr val="accent1"/>
+            </a:solidFill>
+          </a:ln>
+        </p:spPr>
+      </p:pic>
+      <p:pic>
+        <p:nvPicPr>
+          <p:cNvPr id="12" name="Picture 11">
+            <a:extLst>
+              <a:ext uri="{FF2B5EF4-FFF2-40B4-BE49-F238E27FC236}">
+                <a16:creationId xmlns:a16="http://schemas.microsoft.com/office/drawing/2014/main" id="{D1AAC2D5-4292-C6F6-3843-8590408E371E}"/>
+              </a:ext>
+            </a:extLst>
+          </p:cNvPr>
+          <p:cNvPicPr>
+            <a:picLocks noChangeAspect="1"/>
+          </p:cNvPicPr>
+          <p:nvPr/>
+        </p:nvPicPr>
+        <p:blipFill>
+          <a:blip r:embed="rId3"/>
+          <a:stretch>
+            <a:fillRect/>
+          </a:stretch>
+        </p:blipFill>
+        <p:spPr>
+          <a:xfrm>
+            <a:off x="3830320" y="2430226"/>
+            <a:ext cx="8178800" cy="1997548"/>
+          </a:xfrm>
+          <a:prstGeom prst="rect">
+            <a:avLst/>
+          </a:prstGeom>
+          <a:ln>
+            <a:solidFill>
+              <a:schemeClr val="accent1"/>
+            </a:solidFill>
+          </a:ln>
+        </p:spPr>
+      </p:pic>
+    </p:spTree>
+    <p:extLst>
+      <p:ext uri="{BB962C8B-B14F-4D97-AF65-F5344CB8AC3E}">
+        <p14:creationId xmlns:p14="http://schemas.microsoft.com/office/powerpoint/2010/main" val="4114997577"/>
+      </p:ext>
+    </p:extLst>
+  </p:cSld>
+  <p:clrMapOvr>
+    <a:masterClrMapping/>
+  </p:clrMapOvr>
+  <mc:AlternateContent xmlns:mc="http://schemas.openxmlformats.org/markup-compatibility/2006" xmlns:p159="http://schemas.microsoft.com/office/powerpoint/2015/09/main">
+    <mc:Choice Requires="p159">
+      <p:transition xmlns:p14="http://schemas.microsoft.com/office/powerpoint/2010/main" spd="slow" p14:dur="2000">
+        <p159:morph option="byObject"/>
+      </p:transition>
+    </mc:Choice>
+    <mc:Fallback xmlns="">
+      <p:transition spd="slow">
+        <p:fade/>
+      </p:transition>
+    </mc:Fallback>
+  </mc:AlternateContent>
+</p:sld>
+</file>
+
+<file path=ppt/slides/slide27.xml><?xml version="1.0" encoding="utf-8"?>
+<p:sld xmlns:a="http://schemas.openxmlformats.org/drawingml/2006/main" xmlns:r="http://schemas.openxmlformats.org/officeDocument/2006/relationships" xmlns:p="http://schemas.openxmlformats.org/presentationml/2006/main">
+  <p:cSld>
+    <p:spTree>
+      <p:nvGrpSpPr>
+        <p:cNvPr id="1" name=""/>
+        <p:cNvGrpSpPr/>
+        <p:nvPr/>
+      </p:nvGrpSpPr>
+      <p:grpSpPr>
+        <a:xfrm>
+          <a:off x="0" y="0"/>
+          <a:ext cx="0" cy="0"/>
+          <a:chOff x="0" y="0"/>
+          <a:chExt cx="0" cy="0"/>
+        </a:xfrm>
+      </p:grpSpPr>
+      <p:sp>
+        <p:nvSpPr>
+          <p:cNvPr id="5" name="Title 4">
+            <a:extLst>
+              <a:ext uri="{FF2B5EF4-FFF2-40B4-BE49-F238E27FC236}">
+                <a16:creationId xmlns:a16="http://schemas.microsoft.com/office/drawing/2014/main" id="{545CE4E4-8AAD-7549-D138-2AF8AE3013C0}"/>
+              </a:ext>
+            </a:extLst>
+          </p:cNvPr>
+          <p:cNvSpPr>
+            <a:spLocks noGrp="1"/>
+          </p:cNvSpPr>
+          <p:nvPr>
+            <p:ph type="title"/>
+          </p:nvPr>
+        </p:nvSpPr>
+        <p:spPr/>
+        <p:txBody>
+          <a:bodyPr>
+            <a:normAutofit fontScale="90000"/>
+          </a:bodyPr>
+          <a:lstStyle/>
+          <a:p>
+            <a:r>
+              <a:rPr lang="en-US" dirty="0"/>
+              <a:t>Configuration Alarms</a:t>
+            </a:r>
+          </a:p>
+        </p:txBody>
+      </p:sp>
+      <p:pic>
+        <p:nvPicPr>
+          <p:cNvPr id="3" name="Picture 2">
+            <a:extLst>
+              <a:ext uri="{FF2B5EF4-FFF2-40B4-BE49-F238E27FC236}">
+                <a16:creationId xmlns:a16="http://schemas.microsoft.com/office/drawing/2014/main" id="{A418B937-656C-AC20-FAB2-B7BCEEBAD428}"/>
+              </a:ext>
+            </a:extLst>
+          </p:cNvPr>
+          <p:cNvPicPr>
+            <a:picLocks noChangeAspect="1"/>
+          </p:cNvPicPr>
+          <p:nvPr/>
+        </p:nvPicPr>
+        <p:blipFill>
+          <a:blip r:embed="rId2"/>
+          <a:stretch>
+            <a:fillRect/>
+          </a:stretch>
+        </p:blipFill>
+        <p:spPr>
+          <a:xfrm>
+            <a:off x="640397" y="810997"/>
+            <a:ext cx="5946181" cy="3151403"/>
+          </a:xfrm>
+          <a:prstGeom prst="rect">
+            <a:avLst/>
+          </a:prstGeom>
+          <a:ln>
+            <a:solidFill>
+              <a:schemeClr val="accent1"/>
+            </a:solidFill>
+          </a:ln>
+        </p:spPr>
+      </p:pic>
+      <p:pic>
+        <p:nvPicPr>
+          <p:cNvPr id="6" name="Picture 5">
+            <a:extLst>
+              <a:ext uri="{FF2B5EF4-FFF2-40B4-BE49-F238E27FC236}">
+                <a16:creationId xmlns:a16="http://schemas.microsoft.com/office/drawing/2014/main" id="{3099B0C1-C9A6-812B-F7DC-9D4CA1A84BDD}"/>
+              </a:ext>
+            </a:extLst>
+          </p:cNvPr>
+          <p:cNvPicPr>
+            <a:picLocks noChangeAspect="1"/>
+          </p:cNvPicPr>
+          <p:nvPr/>
+        </p:nvPicPr>
+        <p:blipFill>
+          <a:blip r:embed="rId3"/>
+          <a:stretch>
+            <a:fillRect/>
+          </a:stretch>
+        </p:blipFill>
+        <p:spPr>
+          <a:xfrm>
+            <a:off x="4629785" y="3242207"/>
+            <a:ext cx="6610350" cy="3038475"/>
+          </a:xfrm>
+          <a:prstGeom prst="rect">
+            <a:avLst/>
+          </a:prstGeom>
+          <a:ln>
+            <a:solidFill>
+              <a:schemeClr val="accent1"/>
+            </a:solidFill>
+          </a:ln>
+        </p:spPr>
+      </p:pic>
+    </p:spTree>
+    <p:extLst>
+      <p:ext uri="{BB962C8B-B14F-4D97-AF65-F5344CB8AC3E}">
+        <p14:creationId xmlns:p14="http://schemas.microsoft.com/office/powerpoint/2010/main" val="918554915"/>
+      </p:ext>
+    </p:extLst>
+  </p:cSld>
+  <p:clrMapOvr>
+    <a:masterClrMapping/>
+  </p:clrMapOvr>
+  <mc:AlternateContent xmlns:mc="http://schemas.openxmlformats.org/markup-compatibility/2006" xmlns:p159="http://schemas.microsoft.com/office/powerpoint/2015/09/main">
+    <mc:Choice Requires="p159">
+      <p:transition xmlns:p14="http://schemas.microsoft.com/office/powerpoint/2010/main" spd="slow" p14:dur="2000">
+        <p159:morph option="byObject"/>
+      </p:transition>
+    </mc:Choice>
+    <mc:Fallback xmlns="">
+      <p:transition spd="slow">
+        <p:fade/>
+      </p:transition>
+    </mc:Fallback>
+  </mc:AlternateContent>
+</p:sld>
+</file>
+
+<file path=ppt/slides/slide28.xml><?xml version="1.0" encoding="utf-8"?>
+<p:sld xmlns:a="http://schemas.openxmlformats.org/drawingml/2006/main" xmlns:r="http://schemas.openxmlformats.org/officeDocument/2006/relationships" xmlns:p="http://schemas.openxmlformats.org/presentationml/2006/main">
+  <p:cSld>
+    <p:spTree>
+      <p:nvGrpSpPr>
+        <p:cNvPr id="1" name=""/>
+        <p:cNvGrpSpPr/>
+        <p:nvPr/>
+      </p:nvGrpSpPr>
+      <p:grpSpPr>
+        <a:xfrm>
+          <a:off x="0" y="0"/>
+          <a:ext cx="0" cy="0"/>
+          <a:chOff x="0" y="0"/>
+          <a:chExt cx="0" cy="0"/>
+        </a:xfrm>
+      </p:grpSpPr>
+      <p:sp>
+        <p:nvSpPr>
+          <p:cNvPr id="5" name="Title 4">
+            <a:extLst>
+              <a:ext uri="{FF2B5EF4-FFF2-40B4-BE49-F238E27FC236}">
+                <a16:creationId xmlns:a16="http://schemas.microsoft.com/office/drawing/2014/main" id="{545CE4E4-8AAD-7549-D138-2AF8AE3013C0}"/>
+              </a:ext>
+            </a:extLst>
+          </p:cNvPr>
+          <p:cNvSpPr>
+            <a:spLocks noGrp="1"/>
+          </p:cNvSpPr>
+          <p:nvPr>
+            <p:ph type="title"/>
+          </p:nvPr>
+        </p:nvSpPr>
+        <p:spPr/>
+        <p:txBody>
+          <a:bodyPr>
+            <a:normAutofit fontScale="90000"/>
+          </a:bodyPr>
+          <a:lstStyle/>
+          <a:p>
+            <a:r>
+              <a:rPr lang="en-US" dirty="0"/>
+              <a:t>Configuration Alarms</a:t>
+            </a:r>
+          </a:p>
+        </p:txBody>
+      </p:sp>
+      <p:pic>
+        <p:nvPicPr>
+          <p:cNvPr id="4" name="Picture 3">
+            <a:extLst>
+              <a:ext uri="{FF2B5EF4-FFF2-40B4-BE49-F238E27FC236}">
+                <a16:creationId xmlns:a16="http://schemas.microsoft.com/office/drawing/2014/main" id="{20AFEC08-CB78-EB5E-8F80-465C81F605BE}"/>
+              </a:ext>
+            </a:extLst>
+          </p:cNvPr>
+          <p:cNvPicPr>
+            <a:picLocks noChangeAspect="1"/>
+          </p:cNvPicPr>
+          <p:nvPr/>
+        </p:nvPicPr>
+        <p:blipFill>
+          <a:blip r:embed="rId2"/>
+          <a:stretch>
+            <a:fillRect/>
+          </a:stretch>
+        </p:blipFill>
+        <p:spPr>
+          <a:xfrm>
+            <a:off x="650240" y="2634690"/>
+            <a:ext cx="10891520" cy="1588619"/>
+          </a:xfrm>
+          <a:prstGeom prst="rect">
+            <a:avLst/>
+          </a:prstGeom>
+          <a:ln>
+            <a:solidFill>
+              <a:schemeClr val="accent1"/>
+            </a:solidFill>
+          </a:ln>
+        </p:spPr>
+      </p:pic>
+    </p:spTree>
+    <p:extLst>
+      <p:ext uri="{BB962C8B-B14F-4D97-AF65-F5344CB8AC3E}">
+        <p14:creationId xmlns:p14="http://schemas.microsoft.com/office/powerpoint/2010/main" val="3053620039"/>
+      </p:ext>
+    </p:extLst>
+  </p:cSld>
+  <p:clrMapOvr>
+    <a:masterClrMapping/>
+  </p:clrMapOvr>
+  <mc:AlternateContent xmlns:mc="http://schemas.openxmlformats.org/markup-compatibility/2006" xmlns:p159="http://schemas.microsoft.com/office/powerpoint/2015/09/main">
+    <mc:Choice Requires="p159">
+      <p:transition xmlns:p14="http://schemas.microsoft.com/office/powerpoint/2010/main" spd="slow" p14:dur="2000">
+        <p159:morph option="byObject"/>
+      </p:transition>
+    </mc:Choice>
+    <mc:Fallback xmlns="">
+      <p:transition spd="slow">
+        <p:fade/>
+      </p:transition>
+    </mc:Fallback>
+  </mc:AlternateContent>
+</p:sld>
+</file>
+
+<file path=ppt/slides/slide29.xml><?xml version="1.0" encoding="utf-8"?>
+<p:sld xmlns:a="http://schemas.openxmlformats.org/drawingml/2006/main" xmlns:r="http://schemas.openxmlformats.org/officeDocument/2006/relationships" xmlns:p="http://schemas.openxmlformats.org/presentationml/2006/main">
+  <p:cSld>
+    <p:spTree>
+      <p:nvGrpSpPr>
+        <p:cNvPr id="1" name=""/>
+        <p:cNvGrpSpPr/>
+        <p:nvPr/>
+      </p:nvGrpSpPr>
+      <p:grpSpPr>
+        <a:xfrm>
+          <a:off x="0" y="0"/>
+          <a:ext cx="0" cy="0"/>
+          <a:chOff x="0" y="0"/>
+          <a:chExt cx="0" cy="0"/>
+        </a:xfrm>
+      </p:grpSpPr>
+      <p:sp>
+        <p:nvSpPr>
+          <p:cNvPr id="5" name="Title 4">
+            <a:extLst>
+              <a:ext uri="{FF2B5EF4-FFF2-40B4-BE49-F238E27FC236}">
+                <a16:creationId xmlns:a16="http://schemas.microsoft.com/office/drawing/2014/main" id="{7E037BE1-DB10-FC4D-75C4-345C0518DFA6}"/>
+              </a:ext>
+            </a:extLst>
+          </p:cNvPr>
+          <p:cNvSpPr>
+            <a:spLocks noGrp="1"/>
+          </p:cNvSpPr>
+          <p:nvPr>
+            <p:ph type="title"/>
+          </p:nvPr>
+        </p:nvSpPr>
+        <p:spPr>
+          <a:xfrm>
+            <a:off x="707571" y="1134338"/>
+            <a:ext cx="10515600" cy="674472"/>
+          </a:xfrm>
+        </p:spPr>
+        <p:txBody>
+          <a:bodyPr>
+            <a:normAutofit fontScale="90000"/>
+          </a:bodyPr>
+          <a:lstStyle/>
+          <a:p>
+            <a:pPr algn="ctr"/>
+            <a:r>
+              <a:rPr lang="en-US" dirty="0"/>
+              <a:t>Questions?</a:t>
+            </a:r>
+          </a:p>
+        </p:txBody>
+      </p:sp>
+      <p:pic>
+        <p:nvPicPr>
+          <p:cNvPr id="7" name="Picture 2" descr="D:\Proyectos\Framework\Supports\Images\icono_ayuda_general.gif">
+            <a:extLst>
+              <a:ext uri="{FF2B5EF4-FFF2-40B4-BE49-F238E27FC236}">
+                <a16:creationId xmlns:a16="http://schemas.microsoft.com/office/drawing/2014/main" id="{70A0CCB1-AA68-AC7B-11FF-DBFC0033C335}"/>
+              </a:ext>
+            </a:extLst>
+          </p:cNvPr>
+          <p:cNvPicPr>
+            <a:picLocks noChangeAspect="1" noChangeArrowheads="1"/>
+          </p:cNvPicPr>
+          <p:nvPr/>
+        </p:nvPicPr>
+        <p:blipFill>
+          <a:blip r:embed="rId2" cstate="print">
+            <a:clrChange>
+              <a:clrFrom>
+                <a:srgbClr val="FCFEFC"/>
+              </a:clrFrom>
+              <a:clrTo>
+                <a:srgbClr val="FCFEFC">
+                  <a:alpha val="0"/>
+                </a:srgbClr>
+              </a:clrTo>
+            </a:clrChange>
+          </a:blip>
+          <a:srcRect/>
+          <a:stretch>
+            <a:fillRect/>
+          </a:stretch>
+        </p:blipFill>
+        <p:spPr bwMode="auto">
+          <a:xfrm>
+            <a:off x="4475820" y="1808820"/>
+            <a:ext cx="3240360" cy="3240360"/>
+          </a:xfrm>
+          <a:prstGeom prst="rect">
+            <a:avLst/>
+          </a:prstGeom>
+          <a:noFill/>
+        </p:spPr>
+      </p:pic>
+    </p:spTree>
+    <p:extLst>
+      <p:ext uri="{BB962C8B-B14F-4D97-AF65-F5344CB8AC3E}">
+        <p14:creationId xmlns:p14="http://schemas.microsoft.com/office/powerpoint/2010/main" val="1119633903"/>
       </p:ext>
     </p:extLst>
   </p:cSld>
